--- a/Presentacion_Proyecto_DSII_Cerioli.pptx
+++ b/Presentacion_Proyecto_DSII_Cerioli.pptx
@@ -11,6 +11,10 @@
     <p:sldId id="258" r:id="rId5"/>
     <p:sldId id="259" r:id="rId6"/>
     <p:sldId id="260" r:id="rId7"/>
+    <p:sldId id="262" r:id="rId8"/>
+    <p:sldId id="263" r:id="rId9"/>
+    <p:sldId id="264" r:id="rId10"/>
+    <p:sldId id="265" r:id="rId11"/>
   </p:sldIdLst>
   <p:sldSz cx="9144000" cy="6858000" type="screen4x3"/>
   <p:notesSz cx="6858000" cy="9144000"/>
@@ -316,7 +320,7 @@
           <a:p>
             <a:fld id="{5BCAD085-E8A6-8845-BD4E-CB4CCA059FC4}" type="datetimeFigureOut">
               <a:rPr lang="en-US" smtClean="0"/>
-              <a:t>10/19/2025</a:t>
+              <a:t>12/11/2025</a:t>
             </a:fld>
             <a:endParaRPr lang="en-US"/>
           </a:p>
@@ -648,7 +652,7 @@
           <a:p>
             <a:fld id="{5BCAD085-E8A6-8845-BD4E-CB4CCA059FC4}" type="datetimeFigureOut">
               <a:rPr lang="en-US" smtClean="0"/>
-              <a:t>10/19/2025</a:t>
+              <a:t>12/11/2025</a:t>
             </a:fld>
             <a:endParaRPr lang="en-US"/>
           </a:p>
@@ -1047,7 +1051,7 @@
           <a:p>
             <a:fld id="{5BCAD085-E8A6-8845-BD4E-CB4CCA059FC4}" type="datetimeFigureOut">
               <a:rPr lang="en-US" smtClean="0"/>
-              <a:t>10/19/2025</a:t>
+              <a:t>12/11/2025</a:t>
             </a:fld>
             <a:endParaRPr lang="en-US"/>
           </a:p>
@@ -1381,7 +1385,7 @@
           <a:p>
             <a:fld id="{5BCAD085-E8A6-8845-BD4E-CB4CCA059FC4}" type="datetimeFigureOut">
               <a:rPr lang="en-US" smtClean="0"/>
-              <a:t>10/19/2025</a:t>
+              <a:t>12/11/2025</a:t>
             </a:fld>
             <a:endParaRPr lang="en-US"/>
           </a:p>
@@ -1699,7 +1703,7 @@
           <a:p>
             <a:fld id="{5BCAD085-E8A6-8845-BD4E-CB4CCA059FC4}" type="datetimeFigureOut">
               <a:rPr lang="en-US" smtClean="0"/>
-              <a:t>10/19/2025</a:t>
+              <a:t>12/11/2025</a:t>
             </a:fld>
             <a:endParaRPr lang="en-US"/>
           </a:p>
@@ -2093,7 +2097,7 @@
           <a:p>
             <a:fld id="{5BCAD085-E8A6-8845-BD4E-CB4CCA059FC4}" type="datetimeFigureOut">
               <a:rPr lang="en-US" smtClean="0"/>
-              <a:t>10/19/2025</a:t>
+              <a:t>12/11/2025</a:t>
             </a:fld>
             <a:endParaRPr lang="en-US"/>
           </a:p>
@@ -2348,7 +2352,7 @@
           <a:p>
             <a:fld id="{5BCAD085-E8A6-8845-BD4E-CB4CCA059FC4}" type="datetimeFigureOut">
               <a:rPr lang="en-US" smtClean="0"/>
-              <a:t>10/19/2025</a:t>
+              <a:t>12/11/2025</a:t>
             </a:fld>
             <a:endParaRPr lang="en-US"/>
           </a:p>
@@ -2608,7 +2612,7 @@
           <a:p>
             <a:fld id="{5BCAD085-E8A6-8845-BD4E-CB4CCA059FC4}" type="datetimeFigureOut">
               <a:rPr lang="en-US" smtClean="0"/>
-              <a:t>10/19/2025</a:t>
+              <a:t>12/11/2025</a:t>
             </a:fld>
             <a:endParaRPr lang="en-US"/>
           </a:p>
@@ -2868,7 +2872,7 @@
           <a:p>
             <a:fld id="{5BCAD085-E8A6-8845-BD4E-CB4CCA059FC4}" type="datetimeFigureOut">
               <a:rPr lang="en-US" smtClean="0"/>
-              <a:t>10/19/2025</a:t>
+              <a:t>12/11/2025</a:t>
             </a:fld>
             <a:endParaRPr lang="en-US"/>
           </a:p>
@@ -3195,7 +3199,7 @@
           <a:p>
             <a:fld id="{5BCAD085-E8A6-8845-BD4E-CB4CCA059FC4}" type="datetimeFigureOut">
               <a:rPr lang="en-US" smtClean="0"/>
-              <a:t>10/19/2025</a:t>
+              <a:t>12/11/2025</a:t>
             </a:fld>
             <a:endParaRPr lang="en-US"/>
           </a:p>
@@ -3516,7 +3520,7 @@
           <a:p>
             <a:fld id="{5BCAD085-E8A6-8845-BD4E-CB4CCA059FC4}" type="datetimeFigureOut">
               <a:rPr lang="en-US" smtClean="0"/>
-              <a:t>10/19/2025</a:t>
+              <a:t>12/11/2025</a:t>
             </a:fld>
             <a:endParaRPr lang="en-US"/>
           </a:p>
@@ -3971,7 +3975,7 @@
           <a:p>
             <a:fld id="{5BCAD085-E8A6-8845-BD4E-CB4CCA059FC4}" type="datetimeFigureOut">
               <a:rPr lang="en-US" smtClean="0"/>
-              <a:t>10/19/2025</a:t>
+              <a:t>12/11/2025</a:t>
             </a:fld>
             <a:endParaRPr lang="en-US"/>
           </a:p>
@@ -4179,7 +4183,7 @@
           <a:p>
             <a:fld id="{5BCAD085-E8A6-8845-BD4E-CB4CCA059FC4}" type="datetimeFigureOut">
               <a:rPr lang="en-US" smtClean="0"/>
-              <a:t>10/19/2025</a:t>
+              <a:t>12/11/2025</a:t>
             </a:fld>
             <a:endParaRPr lang="en-US"/>
           </a:p>
@@ -4354,7 +4358,7 @@
           <a:p>
             <a:fld id="{5BCAD085-E8A6-8845-BD4E-CB4CCA059FC4}" type="datetimeFigureOut">
               <a:rPr lang="en-US" smtClean="0"/>
-              <a:t>10/19/2025</a:t>
+              <a:t>12/11/2025</a:t>
             </a:fld>
             <a:endParaRPr lang="en-US"/>
           </a:p>
@@ -4685,7 +4689,7 @@
           <a:p>
             <a:fld id="{5BCAD085-E8A6-8845-BD4E-CB4CCA059FC4}" type="datetimeFigureOut">
               <a:rPr lang="en-US" smtClean="0"/>
-              <a:t>10/19/2025</a:t>
+              <a:t>12/11/2025</a:t>
             </a:fld>
             <a:endParaRPr lang="en-US"/>
           </a:p>
@@ -5028,7 +5032,7 @@
           <a:p>
             <a:fld id="{5BCAD085-E8A6-8845-BD4E-CB4CCA059FC4}" type="datetimeFigureOut">
               <a:rPr lang="en-US" smtClean="0"/>
-              <a:t>10/19/2025</a:t>
+              <a:t>12/11/2025</a:t>
             </a:fld>
             <a:endParaRPr lang="en-US"/>
           </a:p>
@@ -7143,7 +7147,7 @@
           <a:p>
             <a:fld id="{5BCAD085-E8A6-8845-BD4E-CB4CCA059FC4}" type="datetimeFigureOut">
               <a:rPr lang="en-US" smtClean="0"/>
-              <a:t>10/19/2025</a:t>
+              <a:t>12/11/2025</a:t>
             </a:fld>
             <a:endParaRPr lang="en-US"/>
           </a:p>
@@ -7757,6 +7761,192 @@
 </p:sld>
 </file>
 
+<file path=ppt/slides/slide10.xml><?xml version="1.0" encoding="utf-8"?>
+<p:sld xmlns:a="http://schemas.openxmlformats.org/drawingml/2006/main" xmlns:r="http://schemas.openxmlformats.org/officeDocument/2006/relationships" xmlns:p="http://schemas.openxmlformats.org/presentationml/2006/main">
+  <p:cSld>
+    <p:spTree>
+      <p:nvGrpSpPr>
+        <p:cNvPr id="1" name=""/>
+        <p:cNvGrpSpPr/>
+        <p:nvPr/>
+      </p:nvGrpSpPr>
+      <p:grpSpPr>
+        <a:xfrm>
+          <a:off x="0" y="0"/>
+          <a:ext cx="0" cy="0"/>
+          <a:chOff x="0" y="0"/>
+          <a:chExt cx="0" cy="0"/>
+        </a:xfrm>
+      </p:grpSpPr>
+      <p:sp>
+        <p:nvSpPr>
+          <p:cNvPr id="2" name="Título 1">
+            <a:extLst>
+              <a:ext uri="{FF2B5EF4-FFF2-40B4-BE49-F238E27FC236}">
+                <a16:creationId xmlns:a16="http://schemas.microsoft.com/office/drawing/2014/main" id="{6961BF1E-07C7-3333-CA33-32AC0C5FBD91}"/>
+              </a:ext>
+            </a:extLst>
+          </p:cNvPr>
+          <p:cNvSpPr>
+            <a:spLocks noGrp="1"/>
+          </p:cNvSpPr>
+          <p:nvPr>
+            <p:ph type="title"/>
+          </p:nvPr>
+        </p:nvSpPr>
+        <p:spPr/>
+        <p:txBody>
+          <a:bodyPr>
+            <a:normAutofit/>
+          </a:bodyPr>
+          <a:lstStyle/>
+          <a:p>
+            <a:r>
+              <a:rPr lang="es-AR" dirty="0">
+                <a:solidFill>
+                  <a:srgbClr val="1F1F1F"/>
+                </a:solidFill>
+                <a:ea typeface="SimSun" panose="02010600030101010101" pitchFamily="2" charset="-122"/>
+                <a:cs typeface="Times New Roman" panose="02020603050405020304" pitchFamily="18" charset="0"/>
+              </a:rPr>
+              <a:t>9. Conclusiones</a:t>
+            </a:r>
+            <a:br>
+              <a:rPr lang="es-AR" sz="1800" b="1" dirty="0">
+                <a:solidFill>
+                  <a:srgbClr val="44546A"/>
+                </a:solidFill>
+                <a:effectLst/>
+                <a:latin typeface="Calibri Light" panose="020F0302020204030204" pitchFamily="34" charset="0"/>
+                <a:ea typeface="SimSun" panose="02010600030101010101" pitchFamily="2" charset="-122"/>
+                <a:cs typeface="Times New Roman" panose="02020603050405020304" pitchFamily="18" charset="0"/>
+              </a:rPr>
+            </a:br>
+            <a:endParaRPr lang="es-AR" dirty="0"/>
+          </a:p>
+        </p:txBody>
+      </p:sp>
+      <p:sp>
+        <p:nvSpPr>
+          <p:cNvPr id="3" name="Marcador de contenido 2">
+            <a:extLst>
+              <a:ext uri="{FF2B5EF4-FFF2-40B4-BE49-F238E27FC236}">
+                <a16:creationId xmlns:a16="http://schemas.microsoft.com/office/drawing/2014/main" id="{47A50181-E314-CD08-BDCC-78734FDB0CC5}"/>
+              </a:ext>
+            </a:extLst>
+          </p:cNvPr>
+          <p:cNvSpPr>
+            <a:spLocks noGrp="1"/>
+          </p:cNvSpPr>
+          <p:nvPr>
+            <p:ph idx="1"/>
+          </p:nvPr>
+        </p:nvSpPr>
+        <p:spPr/>
+        <p:txBody>
+          <a:bodyPr>
+            <a:normAutofit fontScale="85000" lnSpcReduction="20000"/>
+          </a:bodyPr>
+          <a:lstStyle/>
+          <a:p>
+            <a:r>
+              <a:rPr lang="es-AR" dirty="0"/>
+              <a:t>Si bien los indicadores de evaluación indican un buen modelo, es esencial probar el modelo en tiempo real para evaluar su precisión y consistencia en condiciones de mercado dinámicas.</a:t>
+            </a:r>
+          </a:p>
+          <a:p>
+            <a:r>
+              <a:rPr lang="es-AR" dirty="0"/>
+              <a:t>Si el modelo demuestra robustez, puede integrarse con un </a:t>
+            </a:r>
+            <a:r>
+              <a:rPr lang="es-AR" dirty="0" err="1"/>
+              <a:t>bot</a:t>
+            </a:r>
+            <a:r>
+              <a:rPr lang="es-AR" dirty="0"/>
+              <a:t> de trading para ejecutar órdenes de compra/venta automáticamente, optimizando la velocidad y eliminando sesgos emocionales aunque siempre es crucial incluir me</a:t>
+            </a:r>
+          </a:p>
+          <a:p>
+            <a:pPr>
+              <a:lnSpc>
+                <a:spcPct val="110000"/>
+              </a:lnSpc>
+              <a:spcAft>
+                <a:spcPts val="600"/>
+              </a:spcAft>
+            </a:pPr>
+            <a:r>
+              <a:rPr lang="es-AR" dirty="0"/>
+              <a:t>Modelos Específicos por Empresa</a:t>
+            </a:r>
+          </a:p>
+          <a:p>
+            <a:pPr>
+              <a:lnSpc>
+                <a:spcPct val="110000"/>
+              </a:lnSpc>
+              <a:spcAft>
+                <a:spcPts val="600"/>
+              </a:spcAft>
+            </a:pPr>
+            <a:r>
+              <a:rPr lang="es-AR" dirty="0"/>
+              <a:t>Para mejorar la precisión, se sugiere desarrollar modelos especializados por empresa o sector, incorporando variables macroeconómicas (PIB, </a:t>
+            </a:r>
+            <a:r>
+              <a:rPr lang="es-AR" dirty="0" err="1"/>
+              <a:t>commodities</a:t>
+            </a:r>
+            <a:r>
+              <a:rPr lang="es-AR" dirty="0"/>
+              <a:t>), financieras (índices bursátiles, tipo de cambio) y microeconómicas (competencia, desempeño de empresas relacionadas).</a:t>
+            </a:r>
+          </a:p>
+          <a:p>
+            <a:pPr>
+              <a:lnSpc>
+                <a:spcPct val="110000"/>
+              </a:lnSpc>
+              <a:spcAft>
+                <a:spcPts val="600"/>
+              </a:spcAft>
+            </a:pPr>
+            <a:r>
+              <a:rPr lang="es-AR" dirty="0"/>
+              <a:t>La combinación de modelos generales y específicos podría generar señales más confiables al cruzar predicciones.</a:t>
+            </a:r>
+          </a:p>
+          <a:p>
+            <a:pPr>
+              <a:lnSpc>
+                <a:spcPct val="110000"/>
+              </a:lnSpc>
+              <a:spcAft>
+                <a:spcPts val="600"/>
+              </a:spcAft>
+            </a:pPr>
+            <a:endParaRPr lang="es-AR" dirty="0"/>
+          </a:p>
+          <a:p>
+            <a:endParaRPr lang="es-AR" dirty="0"/>
+          </a:p>
+        </p:txBody>
+      </p:sp>
+    </p:spTree>
+    <p:extLst>
+      <p:ext uri="{BB962C8B-B14F-4D97-AF65-F5344CB8AC3E}">
+        <p14:creationId xmlns:p14="http://schemas.microsoft.com/office/powerpoint/2010/main" val="1190223924"/>
+      </p:ext>
+    </p:extLst>
+  </p:cSld>
+  <p:clrMapOvr>
+    <a:masterClrMapping/>
+  </p:clrMapOvr>
+</p:sld>
+</file>
+
 <file path=ppt/slides/slide2.xml><?xml version="1.0" encoding="utf-8"?>
 <p:sld xmlns:a="http://schemas.openxmlformats.org/drawingml/2006/main" xmlns:r="http://schemas.openxmlformats.org/officeDocument/2006/relationships" xmlns:p="http://schemas.openxmlformats.org/presentationml/2006/main">
   <p:cSld>
@@ -8413,14 +8603,581 @@
           <a:lstStyle/>
           <a:p>
             <a:r>
-              <a:t>5. Insights y Conclusiones</a:t>
-            </a:r>
+              <a:rPr dirty="0"/>
+              <a:t>5. Insights y </a:t>
+            </a:r>
+            <a:r>
+              <a:rPr dirty="0" err="1"/>
+              <a:t>Conclusiones</a:t>
+            </a:r>
+            <a:endParaRPr dirty="0"/>
           </a:p>
         </p:txBody>
       </p:sp>
       <p:sp>
         <p:nvSpPr>
           <p:cNvPr id="3" name="Content Placeholder 2"/>
+          <p:cNvSpPr>
+            <a:spLocks noGrp="1"/>
+          </p:cNvSpPr>
+          <p:nvPr>
+            <p:ph idx="1"/>
+          </p:nvPr>
+        </p:nvSpPr>
+        <p:spPr/>
+        <p:txBody>
+          <a:bodyPr>
+            <a:normAutofit/>
+          </a:bodyPr>
+          <a:lstStyle/>
+          <a:p>
+            <a:r>
+              <a:rPr dirty="0"/>
+              <a:t>- El ratio P/E y </a:t>
+            </a:r>
+            <a:r>
+              <a:rPr dirty="0" err="1"/>
+              <a:t>el</a:t>
+            </a:r>
+            <a:r>
+              <a:rPr dirty="0"/>
+              <a:t> Market Cap </a:t>
+            </a:r>
+            <a:r>
+              <a:rPr dirty="0" err="1"/>
+              <a:t>mostraron</a:t>
+            </a:r>
+            <a:r>
+              <a:rPr dirty="0"/>
+              <a:t> la mayor </a:t>
+            </a:r>
+            <a:r>
+              <a:rPr dirty="0" err="1"/>
+              <a:t>correlación</a:t>
+            </a:r>
+            <a:r>
+              <a:rPr dirty="0"/>
+              <a:t> con </a:t>
+            </a:r>
+            <a:r>
+              <a:rPr dirty="0" err="1"/>
+              <a:t>el</a:t>
+            </a:r>
+            <a:r>
+              <a:rPr dirty="0"/>
+              <a:t> </a:t>
+            </a:r>
+            <a:r>
+              <a:rPr dirty="0" err="1"/>
+              <a:t>precio</a:t>
+            </a:r>
+            <a:r>
+              <a:rPr dirty="0"/>
+              <a:t>.</a:t>
+            </a:r>
+          </a:p>
+          <a:p>
+            <a:r>
+              <a:rPr dirty="0"/>
+              <a:t>- La </a:t>
+            </a:r>
+            <a:r>
+              <a:rPr dirty="0" err="1"/>
+              <a:t>inclusión</a:t>
+            </a:r>
+            <a:r>
+              <a:rPr dirty="0"/>
+              <a:t> del sector </a:t>
+            </a:r>
+            <a:r>
+              <a:rPr dirty="0" err="1"/>
+              <a:t>mediante</a:t>
+            </a:r>
+            <a:r>
+              <a:rPr dirty="0"/>
+              <a:t> One-Hot Encoding </a:t>
+            </a:r>
+            <a:r>
+              <a:rPr dirty="0" err="1"/>
+              <a:t>mejoró</a:t>
+            </a:r>
+            <a:r>
+              <a:rPr dirty="0"/>
+              <a:t> la </a:t>
+            </a:r>
+            <a:r>
+              <a:rPr dirty="0" err="1"/>
+              <a:t>precisión</a:t>
+            </a:r>
+            <a:r>
+              <a:rPr dirty="0"/>
+              <a:t> del </a:t>
+            </a:r>
+            <a:r>
+              <a:rPr dirty="0" err="1"/>
+              <a:t>modelo</a:t>
+            </a:r>
+            <a:r>
+              <a:rPr dirty="0"/>
+              <a:t>.</a:t>
+            </a:r>
+          </a:p>
+          <a:p>
+            <a:r>
+              <a:rPr dirty="0"/>
+              <a:t>- El </a:t>
+            </a:r>
+            <a:r>
+              <a:rPr dirty="0" err="1"/>
+              <a:t>modelo</a:t>
+            </a:r>
+            <a:r>
+              <a:rPr dirty="0"/>
+              <a:t> de </a:t>
+            </a:r>
+            <a:r>
+              <a:rPr dirty="0" err="1"/>
+              <a:t>regresión</a:t>
+            </a:r>
+            <a:r>
+              <a:rPr dirty="0"/>
+              <a:t> lineal </a:t>
+            </a:r>
+            <a:r>
+              <a:rPr dirty="0" err="1"/>
+              <a:t>logró</a:t>
+            </a:r>
+            <a:r>
+              <a:rPr dirty="0"/>
+              <a:t> un R² </a:t>
+            </a:r>
+            <a:r>
+              <a:rPr dirty="0" err="1"/>
+              <a:t>razonable</a:t>
+            </a:r>
+            <a:r>
+              <a:rPr dirty="0"/>
+              <a:t>, </a:t>
+            </a:r>
+            <a:r>
+              <a:rPr dirty="0" err="1"/>
+              <a:t>mostrando</a:t>
+            </a:r>
+            <a:r>
+              <a:rPr dirty="0"/>
+              <a:t> </a:t>
+            </a:r>
+            <a:r>
+              <a:rPr dirty="0" err="1"/>
+              <a:t>capacidad</a:t>
+            </a:r>
+            <a:r>
+              <a:rPr dirty="0"/>
+              <a:t> de </a:t>
+            </a:r>
+            <a:r>
+              <a:rPr dirty="0" err="1"/>
+              <a:t>explicar</a:t>
+            </a:r>
+            <a:r>
+              <a:rPr dirty="0"/>
+              <a:t> la </a:t>
+            </a:r>
+            <a:r>
+              <a:rPr dirty="0" err="1"/>
+              <a:t>variación</a:t>
+            </a:r>
+            <a:r>
+              <a:rPr dirty="0"/>
+              <a:t> del </a:t>
+            </a:r>
+            <a:r>
+              <a:rPr dirty="0" err="1"/>
+              <a:t>precio</a:t>
+            </a:r>
+            <a:r>
+              <a:rPr dirty="0"/>
+              <a:t>.</a:t>
+            </a:r>
+          </a:p>
+          <a:p>
+            <a:r>
+              <a:rPr dirty="0"/>
+              <a:t>- </a:t>
+            </a:r>
+            <a:r>
+              <a:rPr dirty="0" err="1"/>
+              <a:t>Sectores</a:t>
+            </a:r>
+            <a:r>
+              <a:rPr dirty="0"/>
+              <a:t> </a:t>
+            </a:r>
+            <a:r>
+              <a:rPr dirty="0" err="1"/>
+              <a:t>tecnológicos</a:t>
+            </a:r>
+            <a:r>
+              <a:rPr dirty="0"/>
+              <a:t> y de </a:t>
+            </a:r>
+            <a:r>
+              <a:rPr dirty="0" err="1"/>
+              <a:t>salud</a:t>
+            </a:r>
+            <a:r>
+              <a:rPr dirty="0"/>
+              <a:t> </a:t>
+            </a:r>
+            <a:r>
+              <a:rPr dirty="0" err="1"/>
+              <a:t>tendieron</a:t>
+            </a:r>
+            <a:r>
+              <a:rPr dirty="0"/>
+              <a:t> a </a:t>
+            </a:r>
+            <a:r>
+              <a:rPr dirty="0" err="1"/>
+              <a:t>presentar</a:t>
+            </a:r>
+            <a:r>
+              <a:rPr dirty="0"/>
+              <a:t> </a:t>
+            </a:r>
+            <a:r>
+              <a:rPr dirty="0" err="1"/>
+              <a:t>precios</a:t>
+            </a:r>
+            <a:r>
+              <a:rPr dirty="0"/>
+              <a:t> </a:t>
+            </a:r>
+            <a:r>
+              <a:rPr dirty="0" err="1"/>
+              <a:t>más</a:t>
+            </a:r>
+            <a:r>
+              <a:rPr dirty="0"/>
+              <a:t> altos que </a:t>
+            </a:r>
+            <a:r>
+              <a:rPr dirty="0" err="1"/>
+              <a:t>energía</a:t>
+            </a:r>
+            <a:r>
+              <a:rPr dirty="0"/>
+              <a:t> y </a:t>
+            </a:r>
+            <a:r>
+              <a:rPr dirty="0" err="1"/>
+              <a:t>servicios</a:t>
+            </a:r>
+            <a:r>
+              <a:rPr dirty="0"/>
+              <a:t>.</a:t>
+            </a:r>
+          </a:p>
+          <a:p>
+            <a:endParaRPr dirty="0"/>
+          </a:p>
+        </p:txBody>
+      </p:sp>
+    </p:spTree>
+  </p:cSld>
+  <p:clrMapOvr>
+    <a:masterClrMapping/>
+  </p:clrMapOvr>
+</p:sld>
+</file>
+
+<file path=ppt/slides/slide7.xml><?xml version="1.0" encoding="utf-8"?>
+<p:sld xmlns:a="http://schemas.openxmlformats.org/drawingml/2006/main" xmlns:r="http://schemas.openxmlformats.org/officeDocument/2006/relationships" xmlns:p="http://schemas.openxmlformats.org/presentationml/2006/main">
+  <p:cSld>
+    <p:spTree>
+      <p:nvGrpSpPr>
+        <p:cNvPr id="1" name=""/>
+        <p:cNvGrpSpPr/>
+        <p:nvPr/>
+      </p:nvGrpSpPr>
+      <p:grpSpPr>
+        <a:xfrm>
+          <a:off x="0" y="0"/>
+          <a:ext cx="0" cy="0"/>
+          <a:chOff x="0" y="0"/>
+          <a:chExt cx="0" cy="0"/>
+        </a:xfrm>
+      </p:grpSpPr>
+      <p:sp>
+        <p:nvSpPr>
+          <p:cNvPr id="2" name="Título 1">
+            <a:extLst>
+              <a:ext uri="{FF2B5EF4-FFF2-40B4-BE49-F238E27FC236}">
+                <a16:creationId xmlns:a16="http://schemas.microsoft.com/office/drawing/2014/main" id="{4D26D487-457A-CF1C-1DEE-542E44B13D38}"/>
+              </a:ext>
+            </a:extLst>
+          </p:cNvPr>
+          <p:cNvSpPr>
+            <a:spLocks noGrp="1"/>
+          </p:cNvSpPr>
+          <p:nvPr>
+            <p:ph type="title"/>
+          </p:nvPr>
+        </p:nvSpPr>
+        <p:spPr>
+          <a:xfrm>
+            <a:off x="1945201" y="654932"/>
+            <a:ext cx="6589199" cy="1280890"/>
+          </a:xfrm>
+        </p:spPr>
+        <p:txBody>
+          <a:bodyPr/>
+          <a:lstStyle/>
+          <a:p>
+            <a:r>
+              <a:rPr lang="es-AR" dirty="0"/>
+              <a:t>6. Modelado y Evaluación</a:t>
+            </a:r>
+            <a:br>
+              <a:rPr lang="es-AR" sz="1800" dirty="0">
+                <a:effectLst/>
+                <a:latin typeface="Calibri" panose="020F0502020204030204" pitchFamily="34" charset="0"/>
+                <a:ea typeface="Times New Roman" panose="02020603050405020304" pitchFamily="18" charset="0"/>
+                <a:cs typeface="Times New Roman" panose="02020603050405020304" pitchFamily="18" charset="0"/>
+              </a:rPr>
+            </a:br>
+            <a:endParaRPr lang="es-AR" dirty="0"/>
+          </a:p>
+        </p:txBody>
+      </p:sp>
+      <p:sp>
+        <p:nvSpPr>
+          <p:cNvPr id="3" name="Marcador de contenido 2">
+            <a:extLst>
+              <a:ext uri="{FF2B5EF4-FFF2-40B4-BE49-F238E27FC236}">
+                <a16:creationId xmlns:a16="http://schemas.microsoft.com/office/drawing/2014/main" id="{02F7D11F-6532-E490-D61E-C97BA49FA996}"/>
+              </a:ext>
+            </a:extLst>
+          </p:cNvPr>
+          <p:cNvSpPr>
+            <a:spLocks noGrp="1"/>
+          </p:cNvSpPr>
+          <p:nvPr>
+            <p:ph idx="1"/>
+          </p:nvPr>
+        </p:nvSpPr>
+        <p:spPr/>
+        <p:txBody>
+          <a:bodyPr>
+            <a:normAutofit fontScale="92500" lnSpcReduction="20000"/>
+          </a:bodyPr>
+          <a:lstStyle/>
+          <a:p>
+            <a:r>
+              <a:rPr lang="es-AR" sz="1900" dirty="0"/>
+              <a:t>- Inicialmente, se desarrolló un modelo de Regresión Lineal para predecir el precio de las acciones (Price) basándose en un conjunto de características financieras clave: </a:t>
+            </a:r>
+          </a:p>
+          <a:p>
+            <a:r>
+              <a:rPr lang="es-AR" sz="1900" dirty="0"/>
+              <a:t>- Posteriormente, se implementó un modelo Lasso (</a:t>
+            </a:r>
+            <a:r>
+              <a:rPr lang="es-AR" sz="1900" dirty="0" err="1"/>
+              <a:t>Least</a:t>
+            </a:r>
+            <a:r>
+              <a:rPr lang="es-AR" sz="1900" dirty="0"/>
+              <a:t> Absolute </a:t>
+            </a:r>
+            <a:r>
+              <a:rPr lang="es-AR" sz="1900" dirty="0" err="1"/>
+              <a:t>Shrinkage</a:t>
+            </a:r>
+            <a:r>
+              <a:rPr lang="es-AR" sz="1900" dirty="0"/>
+              <a:t> and </a:t>
+            </a:r>
+            <a:r>
+              <a:rPr lang="es-AR" sz="1900" dirty="0" err="1"/>
+              <a:t>Selection</a:t>
+            </a:r>
+            <a:r>
+              <a:rPr lang="es-AR" sz="1900" dirty="0"/>
+              <a:t> </a:t>
+            </a:r>
+            <a:r>
+              <a:rPr lang="es-AR" sz="1900" dirty="0" err="1"/>
+              <a:t>Operator</a:t>
+            </a:r>
+            <a:r>
+              <a:rPr lang="es-AR" sz="1900" dirty="0"/>
+              <a:t>) para mejorar la predicción y potencialmente realizar selección de características, especialmente después de normalizar las variables </a:t>
+            </a:r>
+            <a:r>
+              <a:rPr lang="es-AR" sz="1900" dirty="0" err="1"/>
+              <a:t>Market</a:t>
+            </a:r>
+            <a:r>
+              <a:rPr lang="es-AR" sz="1900" dirty="0"/>
+              <a:t> </a:t>
+            </a:r>
+            <a:r>
+              <a:rPr lang="es-AR" sz="1900" dirty="0" err="1"/>
+              <a:t>Cap</a:t>
+            </a:r>
+            <a:r>
+              <a:rPr lang="es-AR" sz="1900" dirty="0"/>
+              <a:t> y EBITDA usando </a:t>
+            </a:r>
+            <a:r>
+              <a:rPr lang="es-AR" sz="1900" dirty="0" err="1"/>
+              <a:t>MinMaxScaler</a:t>
+            </a:r>
+            <a:endParaRPr lang="es-AR" sz="1900" dirty="0"/>
+          </a:p>
+          <a:p>
+            <a:r>
+              <a:rPr lang="es-AR" sz="1900" dirty="0"/>
+              <a:t>Para el modelo Lasso, se utilizó </a:t>
+            </a:r>
+            <a:r>
+              <a:rPr lang="es-AR" sz="1900" dirty="0" err="1"/>
+              <a:t>GridSearchCV</a:t>
+            </a:r>
+            <a:r>
+              <a:rPr lang="es-AR" sz="1900" dirty="0"/>
+              <a:t> para encontrar el </a:t>
+            </a:r>
+            <a:r>
+              <a:rPr lang="es-AR" sz="1900" dirty="0" err="1"/>
+              <a:t>hiperparámetro</a:t>
+            </a:r>
+            <a:r>
+              <a:rPr lang="es-AR" sz="1900" dirty="0"/>
+              <a:t> </a:t>
+            </a:r>
+            <a:r>
+              <a:rPr lang="es-AR" sz="1900" dirty="0" err="1"/>
+              <a:t>alpha</a:t>
+            </a:r>
+            <a:r>
+              <a:rPr lang="es-AR" sz="1900" dirty="0"/>
+              <a:t> óptimo</a:t>
+            </a:r>
+          </a:p>
+          <a:p>
+            <a:r>
+              <a:rPr lang="es-AR" sz="1900" dirty="0"/>
+              <a:t>- La robustez y consistencia del modelo se evaluaron mediante la técnica de Validación Cruzada </a:t>
+            </a:r>
+            <a:r>
+              <a:rPr lang="es-AR" sz="1900" dirty="0" err="1"/>
+              <a:t>KFold</a:t>
+            </a:r>
+            <a:r>
+              <a:rPr lang="es-AR" sz="1900" dirty="0"/>
+              <a:t> con 5 divisiones .</a:t>
+            </a:r>
+          </a:p>
+          <a:p>
+            <a:endParaRPr lang="es-AR" dirty="0"/>
+          </a:p>
+        </p:txBody>
+      </p:sp>
+    </p:spTree>
+    <p:extLst>
+      <p:ext uri="{BB962C8B-B14F-4D97-AF65-F5344CB8AC3E}">
+        <p14:creationId xmlns:p14="http://schemas.microsoft.com/office/powerpoint/2010/main" val="2923965856"/>
+      </p:ext>
+    </p:extLst>
+  </p:cSld>
+  <p:clrMapOvr>
+    <a:masterClrMapping/>
+  </p:clrMapOvr>
+</p:sld>
+</file>
+
+<file path=ppt/slides/slide8.xml><?xml version="1.0" encoding="utf-8"?>
+<p:sld xmlns:a="http://schemas.openxmlformats.org/drawingml/2006/main" xmlns:r="http://schemas.openxmlformats.org/officeDocument/2006/relationships" xmlns:p="http://schemas.openxmlformats.org/presentationml/2006/main">
+  <p:cSld>
+    <p:bg>
+      <p:bgRef idx="1003">
+        <a:schemeClr val="bg2"/>
+      </p:bgRef>
+    </p:bg>
+    <p:spTree>
+      <p:nvGrpSpPr>
+        <p:cNvPr id="1" name=""/>
+        <p:cNvGrpSpPr/>
+        <p:nvPr/>
+      </p:nvGrpSpPr>
+      <p:grpSpPr>
+        <a:xfrm>
+          <a:off x="0" y="0"/>
+          <a:ext cx="0" cy="0"/>
+          <a:chOff x="0" y="0"/>
+          <a:chExt cx="0" cy="0"/>
+        </a:xfrm>
+      </p:grpSpPr>
+      <p:sp>
+        <p:nvSpPr>
+          <p:cNvPr id="2" name="Título 1">
+            <a:extLst>
+              <a:ext uri="{FF2B5EF4-FFF2-40B4-BE49-F238E27FC236}">
+                <a16:creationId xmlns:a16="http://schemas.microsoft.com/office/drawing/2014/main" id="{C757AFC3-D1DA-74FC-D147-B75D5ACF388C}"/>
+              </a:ext>
+            </a:extLst>
+          </p:cNvPr>
+          <p:cNvSpPr>
+            <a:spLocks noGrp="1"/>
+          </p:cNvSpPr>
+          <p:nvPr>
+            <p:ph type="title"/>
+          </p:nvPr>
+        </p:nvSpPr>
+        <p:spPr/>
+        <p:txBody>
+          <a:bodyPr>
+            <a:noAutofit/>
+          </a:bodyPr>
+          <a:lstStyle/>
+          <a:p>
+            <a:r>
+              <a:rPr lang="es-AR" dirty="0">
+                <a:solidFill>
+                  <a:srgbClr val="1F1F1F"/>
+                </a:solidFill>
+                <a:effectLst/>
+                <a:ea typeface="SimSun" panose="02010600030101010101" pitchFamily="2" charset="-122"/>
+                <a:cs typeface="Times New Roman" panose="02020603050405020304" pitchFamily="18" charset="0"/>
+              </a:rPr>
+              <a:t>7.Conclusiones del Modelado</a:t>
+            </a:r>
+            <a:br>
+              <a:rPr lang="es-AR" dirty="0">
+                <a:solidFill>
+                  <a:srgbClr val="44546A"/>
+                </a:solidFill>
+                <a:effectLst/>
+                <a:ea typeface="SimSun" panose="02010600030101010101" pitchFamily="2" charset="-122"/>
+                <a:cs typeface="Times New Roman" panose="02020603050405020304" pitchFamily="18" charset="0"/>
+              </a:rPr>
+            </a:br>
+            <a:endParaRPr lang="es-AR" dirty="0"/>
+          </a:p>
+        </p:txBody>
+      </p:sp>
+      <p:sp>
+        <p:nvSpPr>
+          <p:cNvPr id="3" name="Marcador de contenido 2">
+            <a:extLst>
+              <a:ext uri="{FF2B5EF4-FFF2-40B4-BE49-F238E27FC236}">
+                <a16:creationId xmlns:a16="http://schemas.microsoft.com/office/drawing/2014/main" id="{DF539527-7082-8664-0B1F-6EC7EDBB6354}"/>
+              </a:ext>
+            </a:extLst>
+          </p:cNvPr>
           <p:cNvSpPr>
             <a:spLocks noGrp="1"/>
           </p:cNvSpPr>
@@ -8435,33 +9192,199 @@
           </a:bodyPr>
           <a:lstStyle/>
           <a:p>
-            <a:r>
-              <a:t>- El ratio P/E y el Market Cap mostraron la mayor correlación con el precio.</a:t>
-            </a:r>
-          </a:p>
-          <a:p>
-            <a:r>
-              <a:t>- La inclusión del sector mediante One-Hot Encoding mejoró la precisión del modelo.</a:t>
-            </a:r>
-          </a:p>
-          <a:p>
-            <a:r>
-              <a:t>- El modelo de regresión lineal logró un R² razonable, mostrando capacidad de explicar la variación del precio.</a:t>
-            </a:r>
-          </a:p>
-          <a:p>
-            <a:r>
-              <a:t>- Sectores tecnológicos y de salud tendieron a presentar precios más altos que energía y servicios.</a:t>
-            </a:r>
-          </a:p>
-          <a:p>
-            <a:r>
-              <a:t>- Este tipo de análisis puede ampliarse integrando datos en tiempo real vía API y aplicando modelos no lineales más avanzados.</a:t>
-            </a:r>
+            <a:pPr marL="457200">
+              <a:lnSpc>
+                <a:spcPct val="110000"/>
+              </a:lnSpc>
+              <a:spcAft>
+                <a:spcPts val="600"/>
+              </a:spcAft>
+            </a:pPr>
+            <a:r>
+              <a:rPr lang="es-AR" dirty="0"/>
+              <a:t>R²: Varió entre 0.9775 y 0.9896. Estos valores consistentemente altos indican que el modelo mantiene una gran capacidad predictiva a través de diferentes particiones de los datos.</a:t>
+            </a:r>
+          </a:p>
+          <a:p>
+            <a:pPr marL="457200">
+              <a:lnSpc>
+                <a:spcPct val="110000"/>
+              </a:lnSpc>
+              <a:spcAft>
+                <a:spcPts val="600"/>
+              </a:spcAft>
+            </a:pPr>
+            <a:r>
+              <a:rPr lang="es-AR" dirty="0"/>
+              <a:t>MSE: Osciló entre 37.4724 y 62.7834.</a:t>
+            </a:r>
+          </a:p>
+          <a:p>
+            <a:pPr marL="457200">
+              <a:lnSpc>
+                <a:spcPct val="110000"/>
+              </a:lnSpc>
+              <a:spcAft>
+                <a:spcPts val="600"/>
+              </a:spcAft>
+            </a:pPr>
+            <a:r>
+              <a:rPr lang="es-AR" dirty="0"/>
+              <a:t>MAE: Se mantuvo en un rango estrecho, entre 4.3888 y 5.0552.</a:t>
+            </a:r>
+          </a:p>
+          <a:p>
+            <a:r>
+              <a:rPr lang="es-AR" dirty="0"/>
+              <a:t>Los resultados de las métricas de rendimiento y la validación cruzada </a:t>
+            </a:r>
+            <a:r>
+              <a:rPr lang="es-AR" dirty="0" err="1"/>
+              <a:t>KFold</a:t>
+            </a:r>
+            <a:r>
+              <a:rPr lang="es-AR" dirty="0"/>
+              <a:t> demuestran que el modelo de regresión lineal (y su mejora con Lasso) es robusto y consistente</a:t>
+            </a:r>
+          </a:p>
+          <a:p>
+            <a:endParaRPr lang="es-AR" b="1" dirty="0">
+              <a:latin typeface="Segoe UI" panose="020B0502040204020203" pitchFamily="34" charset="0"/>
+            </a:endParaRPr>
+          </a:p>
+          <a:p>
+            <a:endParaRPr lang="es-AR" dirty="0"/>
           </a:p>
         </p:txBody>
       </p:sp>
     </p:spTree>
+    <p:extLst>
+      <p:ext uri="{BB962C8B-B14F-4D97-AF65-F5344CB8AC3E}">
+        <p14:creationId xmlns:p14="http://schemas.microsoft.com/office/powerpoint/2010/main" val="1335966276"/>
+      </p:ext>
+    </p:extLst>
+  </p:cSld>
+  <p:clrMapOvr>
+    <a:overrideClrMapping bg1="lt1" tx1="dk1" bg2="lt2" tx2="dk2" accent1="accent1" accent2="accent2" accent3="accent3" accent4="accent4" accent5="accent5" accent6="accent6" hlink="hlink" folHlink="folHlink"/>
+  </p:clrMapOvr>
+</p:sld>
+</file>
+
+<file path=ppt/slides/slide9.xml><?xml version="1.0" encoding="utf-8"?>
+<p:sld xmlns:a="http://schemas.openxmlformats.org/drawingml/2006/main" xmlns:r="http://schemas.openxmlformats.org/officeDocument/2006/relationships" xmlns:p="http://schemas.openxmlformats.org/presentationml/2006/main">
+  <p:cSld>
+    <p:spTree>
+      <p:nvGrpSpPr>
+        <p:cNvPr id="1" name=""/>
+        <p:cNvGrpSpPr/>
+        <p:nvPr/>
+      </p:nvGrpSpPr>
+      <p:grpSpPr>
+        <a:xfrm>
+          <a:off x="0" y="0"/>
+          <a:ext cx="0" cy="0"/>
+          <a:chOff x="0" y="0"/>
+          <a:chExt cx="0" cy="0"/>
+        </a:xfrm>
+      </p:grpSpPr>
+      <p:sp>
+        <p:nvSpPr>
+          <p:cNvPr id="2" name="Título 1">
+            <a:extLst>
+              <a:ext uri="{FF2B5EF4-FFF2-40B4-BE49-F238E27FC236}">
+                <a16:creationId xmlns:a16="http://schemas.microsoft.com/office/drawing/2014/main" id="{2AD443F1-CFF9-B78D-DE02-690ACAFBA7DD}"/>
+              </a:ext>
+            </a:extLst>
+          </p:cNvPr>
+          <p:cNvSpPr>
+            <a:spLocks noGrp="1"/>
+          </p:cNvSpPr>
+          <p:nvPr>
+            <p:ph type="title"/>
+          </p:nvPr>
+        </p:nvSpPr>
+        <p:spPr/>
+        <p:txBody>
+          <a:bodyPr>
+            <a:normAutofit fontScale="90000"/>
+          </a:bodyPr>
+          <a:lstStyle/>
+          <a:p>
+            <a:r>
+              <a:rPr lang="es-AR" dirty="0">
+                <a:solidFill>
+                  <a:srgbClr val="1F1F1F"/>
+                </a:solidFill>
+                <a:ea typeface="SimSun" panose="02010600030101010101" pitchFamily="2" charset="-122"/>
+                <a:cs typeface="Times New Roman" panose="02020603050405020304" pitchFamily="18" charset="0"/>
+              </a:rPr>
+              <a:t>8. Integración del Modelo con API para Datos en Tiempo Real</a:t>
+            </a:r>
+            <a:br>
+              <a:rPr lang="es-AR" sz="1800" b="1" dirty="0">
+                <a:solidFill>
+                  <a:srgbClr val="44546A"/>
+                </a:solidFill>
+                <a:effectLst/>
+                <a:latin typeface="Calibri Light" panose="020F0302020204030204" pitchFamily="34" charset="0"/>
+                <a:ea typeface="SimSun" panose="02010600030101010101" pitchFamily="2" charset="-122"/>
+                <a:cs typeface="Times New Roman" panose="02020603050405020304" pitchFamily="18" charset="0"/>
+              </a:rPr>
+            </a:br>
+            <a:endParaRPr lang="es-AR" dirty="0"/>
+          </a:p>
+        </p:txBody>
+      </p:sp>
+      <p:sp>
+        <p:nvSpPr>
+          <p:cNvPr id="3" name="Marcador de contenido 2">
+            <a:extLst>
+              <a:ext uri="{FF2B5EF4-FFF2-40B4-BE49-F238E27FC236}">
+                <a16:creationId xmlns:a16="http://schemas.microsoft.com/office/drawing/2014/main" id="{3B18DE6C-D7FF-9928-DAC4-BABB9732E992}"/>
+              </a:ext>
+            </a:extLst>
+          </p:cNvPr>
+          <p:cNvSpPr>
+            <a:spLocks noGrp="1"/>
+          </p:cNvSpPr>
+          <p:nvPr>
+            <p:ph idx="1"/>
+          </p:nvPr>
+        </p:nvSpPr>
+        <p:spPr/>
+        <p:txBody>
+          <a:bodyPr/>
+          <a:lstStyle/>
+          <a:p>
+            <a:r>
+              <a:rPr lang="es-AR" dirty="0"/>
+              <a:t>Para validar y aplicar el modelo de regresión lineal en un escenario más cercano a la realidad, se estableció una conexión con la API de Alpha </a:t>
+            </a:r>
+            <a:r>
+              <a:rPr lang="es-AR" dirty="0" err="1"/>
+              <a:t>Vantage</a:t>
+            </a:r>
+            <a:r>
+              <a:rPr lang="es-AR" dirty="0"/>
+              <a:t>. El objetivo fue obtener datos financieros actualizados de una acción específica y, a partir de ellos, generar una predicción de precio utilizando nuestro modelo. A modo de ejemplo, se utilizó el símbolo bursátil GOOGL para </a:t>
+            </a:r>
+            <a:r>
+              <a:rPr lang="es-AR" dirty="0" err="1"/>
+              <a:t>Alphabet</a:t>
+            </a:r>
+            <a:r>
+              <a:rPr lang="es-AR" dirty="0"/>
+              <a:t> Inc.</a:t>
+            </a:r>
+          </a:p>
+        </p:txBody>
+      </p:sp>
+    </p:spTree>
+    <p:extLst>
+      <p:ext uri="{BB962C8B-B14F-4D97-AF65-F5344CB8AC3E}">
+        <p14:creationId xmlns:p14="http://schemas.microsoft.com/office/powerpoint/2010/main" val="3519234078"/>
+      </p:ext>
+    </p:extLst>
   </p:cSld>
   <p:clrMapOvr>
     <a:masterClrMapping/>
@@ -8710,4 +9633,47 @@
     </a:ext>
   </a:extLst>
 </a:theme>
+</file>
+
+<file path=ppt/theme/themeOverride1.xml><?xml version="1.0" encoding="utf-8"?>
+<a:themeOverride xmlns:a="http://schemas.openxmlformats.org/drawingml/2006/main">
+  <a:clrScheme name="Espiral">
+    <a:dk1>
+      <a:sysClr val="windowText" lastClr="000000"/>
+    </a:dk1>
+    <a:lt1>
+      <a:sysClr val="window" lastClr="FFFFFF"/>
+    </a:lt1>
+    <a:dk2>
+      <a:srgbClr val="766F54"/>
+    </a:dk2>
+    <a:lt2>
+      <a:srgbClr val="E3EACF"/>
+    </a:lt2>
+    <a:accent1>
+      <a:srgbClr val="A53010"/>
+    </a:accent1>
+    <a:accent2>
+      <a:srgbClr val="DE7E18"/>
+    </a:accent2>
+    <a:accent3>
+      <a:srgbClr val="9F8351"/>
+    </a:accent3>
+    <a:accent4>
+      <a:srgbClr val="728653"/>
+    </a:accent4>
+    <a:accent5>
+      <a:srgbClr val="92AA4C"/>
+    </a:accent5>
+    <a:accent6>
+      <a:srgbClr val="6AAC91"/>
+    </a:accent6>
+    <a:hlink>
+      <a:srgbClr val="FB4A18"/>
+    </a:hlink>
+    <a:folHlink>
+      <a:srgbClr val="FB9318"/>
+    </a:folHlink>
+  </a:clrScheme>
+</a:themeOverride>
 </file>